--- a/forwardModel/BKA-results/data-model-resids/Ha/haBKA-gallery.pptx
+++ b/forwardModel/BKA-results/data-model-resids/Ha/haBKA-gallery.pptx
@@ -197,7 +197,7 @@
           <a:p>
             <a:fld id="{08C121A9-109E-EB46-8716-F9E8805ED9E7}" type="datetimeFigureOut">
               <a:rPr lang="en-US" smtClean="0"/>
-              <a:t>7/23/21</a:t>
+              <a:t>1/11/22</a:t>
             </a:fld>
             <a:endParaRPr lang="en-US"/>
           </a:p>
@@ -679,7 +679,7 @@
           <a:p>
             <a:fld id="{92FBD9D3-FD56-2445-B4E5-1DB60E749807}" type="datetimeFigureOut">
               <a:rPr lang="en-US" smtClean="0"/>
-              <a:t>7/23/21</a:t>
+              <a:t>1/11/22</a:t>
             </a:fld>
             <a:endParaRPr lang="en-US"/>
           </a:p>
@@ -849,7 +849,7 @@
           <a:p>
             <a:fld id="{92FBD9D3-FD56-2445-B4E5-1DB60E749807}" type="datetimeFigureOut">
               <a:rPr lang="en-US" smtClean="0"/>
-              <a:t>7/23/21</a:t>
+              <a:t>1/11/22</a:t>
             </a:fld>
             <a:endParaRPr lang="en-US"/>
           </a:p>
@@ -1029,7 +1029,7 @@
           <a:p>
             <a:fld id="{92FBD9D3-FD56-2445-B4E5-1DB60E749807}" type="datetimeFigureOut">
               <a:rPr lang="en-US" smtClean="0"/>
-              <a:t>7/23/21</a:t>
+              <a:t>1/11/22</a:t>
             </a:fld>
             <a:endParaRPr lang="en-US"/>
           </a:p>
@@ -1199,7 +1199,7 @@
           <a:p>
             <a:fld id="{92FBD9D3-FD56-2445-B4E5-1DB60E749807}" type="datetimeFigureOut">
               <a:rPr lang="en-US" smtClean="0"/>
-              <a:t>7/23/21</a:t>
+              <a:t>1/11/22</a:t>
             </a:fld>
             <a:endParaRPr lang="en-US"/>
           </a:p>
@@ -1443,7 +1443,7 @@
           <a:p>
             <a:fld id="{92FBD9D3-FD56-2445-B4E5-1DB60E749807}" type="datetimeFigureOut">
               <a:rPr lang="en-US" smtClean="0"/>
-              <a:t>7/23/21</a:t>
+              <a:t>1/11/22</a:t>
             </a:fld>
             <a:endParaRPr lang="en-US"/>
           </a:p>
@@ -1675,7 +1675,7 @@
           <a:p>
             <a:fld id="{92FBD9D3-FD56-2445-B4E5-1DB60E749807}" type="datetimeFigureOut">
               <a:rPr lang="en-US" smtClean="0"/>
-              <a:t>7/23/21</a:t>
+              <a:t>1/11/22</a:t>
             </a:fld>
             <a:endParaRPr lang="en-US"/>
           </a:p>
@@ -2042,7 +2042,7 @@
           <a:p>
             <a:fld id="{92FBD9D3-FD56-2445-B4E5-1DB60E749807}" type="datetimeFigureOut">
               <a:rPr lang="en-US" smtClean="0"/>
-              <a:t>7/23/21</a:t>
+              <a:t>1/11/22</a:t>
             </a:fld>
             <a:endParaRPr lang="en-US"/>
           </a:p>
@@ -2160,7 +2160,7 @@
           <a:p>
             <a:fld id="{92FBD9D3-FD56-2445-B4E5-1DB60E749807}" type="datetimeFigureOut">
               <a:rPr lang="en-US" smtClean="0"/>
-              <a:t>7/23/21</a:t>
+              <a:t>1/11/22</a:t>
             </a:fld>
             <a:endParaRPr lang="en-US"/>
           </a:p>
@@ -2255,7 +2255,7 @@
           <a:p>
             <a:fld id="{92FBD9D3-FD56-2445-B4E5-1DB60E749807}" type="datetimeFigureOut">
               <a:rPr lang="en-US" smtClean="0"/>
-              <a:t>7/23/21</a:t>
+              <a:t>1/11/22</a:t>
             </a:fld>
             <a:endParaRPr lang="en-US"/>
           </a:p>
@@ -2532,7 +2532,7 @@
           <a:p>
             <a:fld id="{92FBD9D3-FD56-2445-B4E5-1DB60E749807}" type="datetimeFigureOut">
               <a:rPr lang="en-US" smtClean="0"/>
-              <a:t>7/23/21</a:t>
+              <a:t>1/11/22</a:t>
             </a:fld>
             <a:endParaRPr lang="en-US"/>
           </a:p>
@@ -2789,7 +2789,7 @@
           <a:p>
             <a:fld id="{92FBD9D3-FD56-2445-B4E5-1DB60E749807}" type="datetimeFigureOut">
               <a:rPr lang="en-US" smtClean="0"/>
-              <a:t>7/23/21</a:t>
+              <a:t>1/11/22</a:t>
             </a:fld>
             <a:endParaRPr lang="en-US"/>
           </a:p>
@@ -3002,7 +3002,7 @@
           <a:p>
             <a:fld id="{92FBD9D3-FD56-2445-B4E5-1DB60E749807}" type="datetimeFigureOut">
               <a:rPr lang="en-US" smtClean="0"/>
-              <a:t>7/23/21</a:t>
+              <a:t>1/11/22</a:t>
             </a:fld>
             <a:endParaRPr lang="en-US"/>
           </a:p>
@@ -3428,7 +3428,7 @@
         </p:blipFill>
         <p:spPr>
           <a:xfrm>
-            <a:off x="0" y="-5379"/>
+            <a:off x="0" y="0"/>
             <a:ext cx="6858000" cy="2286000"/>
           </a:xfrm>
           <a:prstGeom prst="rect">
@@ -3583,217 +3583,937 @@
       </p:pic>
       <p:sp>
         <p:nvSpPr>
-          <p:cNvPr id="32" name="TextBox 31">
+          <p:cNvPr id="2" name="Rectangle 1">
             <a:extLst>
               <a:ext uri="{FF2B5EF4-FFF2-40B4-BE49-F238E27FC236}">
-                <a16:creationId xmlns:a16="http://schemas.microsoft.com/office/drawing/2014/main" id="{78FF8867-2A15-1546-B0F9-CECC4D4AD340}"/>
+                <a16:creationId xmlns:a16="http://schemas.microsoft.com/office/drawing/2014/main" id="{D6B6A05E-F59A-514E-B28F-7E1683F6D920}"/>
               </a:ext>
             </a:extLst>
           </p:cNvPr>
-          <p:cNvSpPr txBox="1"/>
+          <p:cNvSpPr/>
           <p:nvPr/>
         </p:nvSpPr>
         <p:spPr>
-          <a:xfrm rot="16200000">
-            <a:off x="-184667" y="952955"/>
-            <a:ext cx="987771" cy="369332"/>
+          <a:xfrm>
+            <a:off x="604800" y="9864000"/>
+            <a:ext cx="158400" cy="237600"/>
           </a:xfrm>
           <a:prstGeom prst="rect">
             <a:avLst/>
           </a:prstGeom>
-          <a:noFill/>
-        </p:spPr>
-        <p:txBody>
-          <a:bodyPr wrap="none" rtlCol="0">
-            <a:spAutoFit/>
-          </a:bodyPr>
+          <a:solidFill>
+            <a:schemeClr val="bg1"/>
+          </a:solidFill>
+          <a:ln>
+            <a:noFill/>
+          </a:ln>
+        </p:spPr>
+        <p:style>
+          <a:lnRef idx="2">
+            <a:schemeClr val="accent1">
+              <a:shade val="50000"/>
+            </a:schemeClr>
+          </a:lnRef>
+          <a:fillRef idx="1">
+            <a:schemeClr val="accent1"/>
+          </a:fillRef>
+          <a:effectRef idx="0">
+            <a:schemeClr val="accent1"/>
+          </a:effectRef>
+          <a:fontRef idx="minor">
+            <a:schemeClr val="lt1"/>
+          </a:fontRef>
+        </p:style>
+        <p:txBody>
+          <a:bodyPr rtlCol="0" anchor="ctr"/>
           <a:lstStyle/>
           <a:p>
             <a:pPr algn="ctr"/>
-            <a:r>
-              <a:rPr lang="en-US" dirty="0"/>
-              <a:t>11Apr13</a:t>
-            </a:r>
-          </a:p>
-        </p:txBody>
-      </p:sp>
-      <p:sp>
-        <p:nvSpPr>
-          <p:cNvPr id="33" name="TextBox 32">
+            <a:endParaRPr lang="en-US"/>
+          </a:p>
+        </p:txBody>
+      </p:sp>
+      <p:sp>
+        <p:nvSpPr>
+          <p:cNvPr id="9" name="Rectangle 8">
             <a:extLst>
               <a:ext uri="{FF2B5EF4-FFF2-40B4-BE49-F238E27FC236}">
-                <a16:creationId xmlns:a16="http://schemas.microsoft.com/office/drawing/2014/main" id="{B4BB5866-E6BD-E847-8B9D-14B72F66AC03}"/>
+                <a16:creationId xmlns:a16="http://schemas.microsoft.com/office/drawing/2014/main" id="{3E0240B5-4BF3-D34C-BB70-D91D8D284BD2}"/>
               </a:ext>
             </a:extLst>
           </p:cNvPr>
-          <p:cNvSpPr txBox="1"/>
+          <p:cNvSpPr/>
           <p:nvPr/>
         </p:nvSpPr>
         <p:spPr>
-          <a:xfrm rot="16200000">
-            <a:off x="-126157" y="3238955"/>
-            <a:ext cx="870751" cy="369332"/>
+          <a:xfrm>
+            <a:off x="604800" y="10465119"/>
+            <a:ext cx="158400" cy="237600"/>
           </a:xfrm>
           <a:prstGeom prst="rect">
             <a:avLst/>
           </a:prstGeom>
-          <a:noFill/>
-        </p:spPr>
-        <p:txBody>
-          <a:bodyPr wrap="none" rtlCol="0">
-            <a:spAutoFit/>
-          </a:bodyPr>
+          <a:solidFill>
+            <a:schemeClr val="bg1"/>
+          </a:solidFill>
+          <a:ln>
+            <a:noFill/>
+          </a:ln>
+        </p:spPr>
+        <p:style>
+          <a:lnRef idx="2">
+            <a:schemeClr val="accent1">
+              <a:shade val="50000"/>
+            </a:schemeClr>
+          </a:lnRef>
+          <a:fillRef idx="1">
+            <a:schemeClr val="accent1"/>
+          </a:fillRef>
+          <a:effectRef idx="0">
+            <a:schemeClr val="accent1"/>
+          </a:effectRef>
+          <a:fontRef idx="minor">
+            <a:schemeClr val="lt1"/>
+          </a:fontRef>
+        </p:style>
+        <p:txBody>
+          <a:bodyPr rtlCol="0" anchor="ctr"/>
           <a:lstStyle/>
           <a:p>
             <a:pPr algn="ctr"/>
-            <a:r>
-              <a:rPr lang="en-US" dirty="0"/>
-              <a:t>8Apr14</a:t>
-            </a:r>
-          </a:p>
-        </p:txBody>
-      </p:sp>
-      <p:sp>
-        <p:nvSpPr>
-          <p:cNvPr id="34" name="TextBox 33">
+            <a:endParaRPr lang="en-US"/>
+          </a:p>
+        </p:txBody>
+      </p:sp>
+      <p:sp>
+        <p:nvSpPr>
+          <p:cNvPr id="10" name="Rectangle 9">
             <a:extLst>
               <a:ext uri="{FF2B5EF4-FFF2-40B4-BE49-F238E27FC236}">
-                <a16:creationId xmlns:a16="http://schemas.microsoft.com/office/drawing/2014/main" id="{28EDD1DC-CF56-8D44-B598-E49E9CD05C9B}"/>
+                <a16:creationId xmlns:a16="http://schemas.microsoft.com/office/drawing/2014/main" id="{BB6F0A34-CFD1-4B45-8A42-1B82967BBF12}"/>
               </a:ext>
             </a:extLst>
           </p:cNvPr>
-          <p:cNvSpPr txBox="1"/>
+          <p:cNvSpPr/>
           <p:nvPr/>
         </p:nvSpPr>
         <p:spPr>
-          <a:xfrm rot="16200000">
-            <a:off x="-220992" y="5524955"/>
-            <a:ext cx="1060420" cy="369332"/>
+          <a:xfrm>
+            <a:off x="2326800" y="9873020"/>
+            <a:ext cx="158400" cy="237600"/>
           </a:xfrm>
           <a:prstGeom prst="rect">
             <a:avLst/>
           </a:prstGeom>
-          <a:noFill/>
-        </p:spPr>
-        <p:txBody>
-          <a:bodyPr wrap="none" rtlCol="0">
-            <a:spAutoFit/>
-          </a:bodyPr>
+          <a:solidFill>
+            <a:schemeClr val="bg1"/>
+          </a:solidFill>
+          <a:ln>
+            <a:noFill/>
+          </a:ln>
+        </p:spPr>
+        <p:style>
+          <a:lnRef idx="2">
+            <a:schemeClr val="accent1">
+              <a:shade val="50000"/>
+            </a:schemeClr>
+          </a:lnRef>
+          <a:fillRef idx="1">
+            <a:schemeClr val="accent1"/>
+          </a:fillRef>
+          <a:effectRef idx="0">
+            <a:schemeClr val="accent1"/>
+          </a:effectRef>
+          <a:fontRef idx="minor">
+            <a:schemeClr val="lt1"/>
+          </a:fontRef>
+        </p:style>
+        <p:txBody>
+          <a:bodyPr rtlCol="0" anchor="ctr"/>
           <a:lstStyle/>
           <a:p>
             <a:pPr algn="ctr"/>
-            <a:r>
-              <a:rPr lang="en-US" dirty="0"/>
-              <a:t>15May15</a:t>
-            </a:r>
-          </a:p>
-        </p:txBody>
-      </p:sp>
-      <p:sp>
-        <p:nvSpPr>
-          <p:cNvPr id="35" name="TextBox 34">
+            <a:endParaRPr lang="en-US"/>
+          </a:p>
+        </p:txBody>
+      </p:sp>
+      <p:sp>
+        <p:nvSpPr>
+          <p:cNvPr id="11" name="Rectangle 10">
             <a:extLst>
               <a:ext uri="{FF2B5EF4-FFF2-40B4-BE49-F238E27FC236}">
-                <a16:creationId xmlns:a16="http://schemas.microsoft.com/office/drawing/2014/main" id="{EE5D0707-3A0D-0043-85A4-E80369BE3EA1}"/>
+                <a16:creationId xmlns:a16="http://schemas.microsoft.com/office/drawing/2014/main" id="{C6D0C2C1-4B08-AC42-BAB5-230F249DD85F}"/>
               </a:ext>
             </a:extLst>
           </p:cNvPr>
-          <p:cNvSpPr txBox="1"/>
+          <p:cNvSpPr/>
           <p:nvPr/>
         </p:nvSpPr>
         <p:spPr>
-          <a:xfrm rot="16200000">
-            <a:off x="-220992" y="7821714"/>
-            <a:ext cx="1060420" cy="369332"/>
+          <a:xfrm>
+            <a:off x="2326800" y="10474139"/>
+            <a:ext cx="158400" cy="237600"/>
           </a:xfrm>
           <a:prstGeom prst="rect">
             <a:avLst/>
           </a:prstGeom>
-          <a:noFill/>
-        </p:spPr>
-        <p:txBody>
-          <a:bodyPr wrap="none" rtlCol="0">
-            <a:spAutoFit/>
-          </a:bodyPr>
+          <a:solidFill>
+            <a:schemeClr val="bg1"/>
+          </a:solidFill>
+          <a:ln>
+            <a:noFill/>
+          </a:ln>
+        </p:spPr>
+        <p:style>
+          <a:lnRef idx="2">
+            <a:schemeClr val="accent1">
+              <a:shade val="50000"/>
+            </a:schemeClr>
+          </a:lnRef>
+          <a:fillRef idx="1">
+            <a:schemeClr val="accent1"/>
+          </a:fillRef>
+          <a:effectRef idx="0">
+            <a:schemeClr val="accent1"/>
+          </a:effectRef>
+          <a:fontRef idx="minor">
+            <a:schemeClr val="lt1"/>
+          </a:fontRef>
+        </p:style>
+        <p:txBody>
+          <a:bodyPr rtlCol="0" anchor="ctr"/>
           <a:lstStyle/>
           <a:p>
             <a:pPr algn="ctr"/>
-            <a:r>
-              <a:rPr lang="en-US" dirty="0"/>
-              <a:t>16May15</a:t>
-            </a:r>
-          </a:p>
-        </p:txBody>
-      </p:sp>
-      <p:sp>
-        <p:nvSpPr>
-          <p:cNvPr id="36" name="TextBox 35">
+            <a:endParaRPr lang="en-US"/>
+          </a:p>
+        </p:txBody>
+      </p:sp>
+      <p:sp>
+        <p:nvSpPr>
+          <p:cNvPr id="12" name="Rectangle 11">
             <a:extLst>
               <a:ext uri="{FF2B5EF4-FFF2-40B4-BE49-F238E27FC236}">
-                <a16:creationId xmlns:a16="http://schemas.microsoft.com/office/drawing/2014/main" id="{85F00220-1BE3-8B46-80EB-ED91A17D613C}"/>
+                <a16:creationId xmlns:a16="http://schemas.microsoft.com/office/drawing/2014/main" id="{589DD0B7-2BFA-974D-8ED3-724247CF28EB}"/>
               </a:ext>
             </a:extLst>
           </p:cNvPr>
-          <p:cNvSpPr txBox="1"/>
+          <p:cNvSpPr/>
           <p:nvPr/>
         </p:nvSpPr>
         <p:spPr>
-          <a:xfrm rot="16200000">
-            <a:off x="-220993" y="10118474"/>
-            <a:ext cx="1060420" cy="369332"/>
+          <a:xfrm>
+            <a:off x="3999600" y="9864000"/>
+            <a:ext cx="158400" cy="237600"/>
           </a:xfrm>
           <a:prstGeom prst="rect">
             <a:avLst/>
           </a:prstGeom>
-          <a:noFill/>
-        </p:spPr>
-        <p:txBody>
-          <a:bodyPr wrap="none" rtlCol="0">
-            <a:spAutoFit/>
-          </a:bodyPr>
+          <a:solidFill>
+            <a:schemeClr val="bg1"/>
+          </a:solidFill>
+          <a:ln>
+            <a:noFill/>
+          </a:ln>
+        </p:spPr>
+        <p:style>
+          <a:lnRef idx="2">
+            <a:schemeClr val="accent1">
+              <a:shade val="50000"/>
+            </a:schemeClr>
+          </a:lnRef>
+          <a:fillRef idx="1">
+            <a:schemeClr val="accent1"/>
+          </a:fillRef>
+          <a:effectRef idx="0">
+            <a:schemeClr val="accent1"/>
+          </a:effectRef>
+          <a:fontRef idx="minor">
+            <a:schemeClr val="lt1"/>
+          </a:fontRef>
+        </p:style>
+        <p:txBody>
+          <a:bodyPr rtlCol="0" anchor="ctr"/>
           <a:lstStyle/>
           <a:p>
             <a:pPr algn="ctr"/>
-            <a:r>
-              <a:rPr lang="en-US" dirty="0"/>
-              <a:t>18May15</a:t>
-            </a:r>
-          </a:p>
-        </p:txBody>
-      </p:sp>
-      <p:sp>
-        <p:nvSpPr>
-          <p:cNvPr id="37" name="TextBox 36">
+            <a:endParaRPr lang="en-US"/>
+          </a:p>
+        </p:txBody>
+      </p:sp>
+      <p:sp>
+        <p:nvSpPr>
+          <p:cNvPr id="13" name="Rectangle 12">
             <a:extLst>
               <a:ext uri="{FF2B5EF4-FFF2-40B4-BE49-F238E27FC236}">
-                <a16:creationId xmlns:a16="http://schemas.microsoft.com/office/drawing/2014/main" id="{38066D89-8D9D-8D47-AFAE-C3F6EBEFEEE3}"/>
+                <a16:creationId xmlns:a16="http://schemas.microsoft.com/office/drawing/2014/main" id="{1C5801FF-8BDD-E941-AD80-0317733F35F3}"/>
               </a:ext>
             </a:extLst>
           </p:cNvPr>
-          <p:cNvSpPr txBox="1"/>
+          <p:cNvSpPr/>
           <p:nvPr/>
         </p:nvSpPr>
         <p:spPr>
-          <a:xfrm rot="16200000">
-            <a:off x="-184670" y="12404475"/>
-            <a:ext cx="987771" cy="369332"/>
+          <a:xfrm>
+            <a:off x="3999600" y="10465119"/>
+            <a:ext cx="158400" cy="237600"/>
           </a:xfrm>
           <a:prstGeom prst="rect">
             <a:avLst/>
           </a:prstGeom>
-          <a:noFill/>
-        </p:spPr>
-        <p:txBody>
-          <a:bodyPr wrap="none" rtlCol="0">
-            <a:spAutoFit/>
-          </a:bodyPr>
+          <a:solidFill>
+            <a:schemeClr val="bg1"/>
+          </a:solidFill>
+          <a:ln>
+            <a:noFill/>
+          </a:ln>
+        </p:spPr>
+        <p:style>
+          <a:lnRef idx="2">
+            <a:schemeClr val="accent1">
+              <a:shade val="50000"/>
+            </a:schemeClr>
+          </a:lnRef>
+          <a:fillRef idx="1">
+            <a:schemeClr val="accent1"/>
+          </a:fillRef>
+          <a:effectRef idx="0">
+            <a:schemeClr val="accent1"/>
+          </a:effectRef>
+          <a:fontRef idx="minor">
+            <a:schemeClr val="lt1"/>
+          </a:fontRef>
+        </p:style>
+        <p:txBody>
+          <a:bodyPr rtlCol="0" anchor="ctr"/>
           <a:lstStyle/>
           <a:p>
             <a:pPr algn="ctr"/>
-            <a:r>
-              <a:rPr lang="en-US" dirty="0"/>
-              <a:t>27Apr18</a:t>
-            </a:r>
+            <a:endParaRPr lang="en-US"/>
+          </a:p>
+        </p:txBody>
+      </p:sp>
+      <p:sp>
+        <p:nvSpPr>
+          <p:cNvPr id="14" name="Rectangle 13">
+            <a:extLst>
+              <a:ext uri="{FF2B5EF4-FFF2-40B4-BE49-F238E27FC236}">
+                <a16:creationId xmlns:a16="http://schemas.microsoft.com/office/drawing/2014/main" id="{52EFB343-453F-4D47-9EC8-E532A0263E9D}"/>
+              </a:ext>
+            </a:extLst>
+          </p:cNvPr>
+          <p:cNvSpPr/>
+          <p:nvPr/>
+        </p:nvSpPr>
+        <p:spPr>
+          <a:xfrm>
+            <a:off x="604800" y="2977281"/>
+            <a:ext cx="158400" cy="237600"/>
+          </a:xfrm>
+          <a:prstGeom prst="rect">
+            <a:avLst/>
+          </a:prstGeom>
+          <a:solidFill>
+            <a:schemeClr val="bg1"/>
+          </a:solidFill>
+          <a:ln>
+            <a:noFill/>
+          </a:ln>
+        </p:spPr>
+        <p:style>
+          <a:lnRef idx="2">
+            <a:schemeClr val="accent1">
+              <a:shade val="50000"/>
+            </a:schemeClr>
+          </a:lnRef>
+          <a:fillRef idx="1">
+            <a:schemeClr val="accent1"/>
+          </a:fillRef>
+          <a:effectRef idx="0">
+            <a:schemeClr val="accent1"/>
+          </a:effectRef>
+          <a:fontRef idx="minor">
+            <a:schemeClr val="lt1"/>
+          </a:fontRef>
+        </p:style>
+        <p:txBody>
+          <a:bodyPr rtlCol="0" anchor="ctr"/>
+          <a:lstStyle/>
+          <a:p>
+            <a:pPr algn="ctr"/>
+            <a:endParaRPr lang="en-US"/>
+          </a:p>
+        </p:txBody>
+      </p:sp>
+      <p:sp>
+        <p:nvSpPr>
+          <p:cNvPr id="15" name="Rectangle 14">
+            <a:extLst>
+              <a:ext uri="{FF2B5EF4-FFF2-40B4-BE49-F238E27FC236}">
+                <a16:creationId xmlns:a16="http://schemas.microsoft.com/office/drawing/2014/main" id="{0F6C44C5-C2A0-2F4C-A852-FEC26F7C6D5D}"/>
+              </a:ext>
+            </a:extLst>
+          </p:cNvPr>
+          <p:cNvSpPr/>
+          <p:nvPr/>
+        </p:nvSpPr>
+        <p:spPr>
+          <a:xfrm>
+            <a:off x="604800" y="3578400"/>
+            <a:ext cx="158400" cy="237600"/>
+          </a:xfrm>
+          <a:prstGeom prst="rect">
+            <a:avLst/>
+          </a:prstGeom>
+          <a:solidFill>
+            <a:schemeClr val="bg1"/>
+          </a:solidFill>
+          <a:ln>
+            <a:noFill/>
+          </a:ln>
+        </p:spPr>
+        <p:style>
+          <a:lnRef idx="2">
+            <a:schemeClr val="accent1">
+              <a:shade val="50000"/>
+            </a:schemeClr>
+          </a:lnRef>
+          <a:fillRef idx="1">
+            <a:schemeClr val="accent1"/>
+          </a:fillRef>
+          <a:effectRef idx="0">
+            <a:schemeClr val="accent1"/>
+          </a:effectRef>
+          <a:fontRef idx="minor">
+            <a:schemeClr val="lt1"/>
+          </a:fontRef>
+        </p:style>
+        <p:txBody>
+          <a:bodyPr rtlCol="0" anchor="ctr"/>
+          <a:lstStyle/>
+          <a:p>
+            <a:pPr algn="ctr"/>
+            <a:endParaRPr lang="en-US"/>
+          </a:p>
+        </p:txBody>
+      </p:sp>
+      <p:sp>
+        <p:nvSpPr>
+          <p:cNvPr id="16" name="Rectangle 15">
+            <a:extLst>
+              <a:ext uri="{FF2B5EF4-FFF2-40B4-BE49-F238E27FC236}">
+                <a16:creationId xmlns:a16="http://schemas.microsoft.com/office/drawing/2014/main" id="{A662AC69-7A4A-024F-BB28-B06DD36A7193}"/>
+              </a:ext>
+            </a:extLst>
+          </p:cNvPr>
+          <p:cNvSpPr/>
+          <p:nvPr/>
+        </p:nvSpPr>
+        <p:spPr>
+          <a:xfrm>
+            <a:off x="2326800" y="2995362"/>
+            <a:ext cx="158400" cy="237600"/>
+          </a:xfrm>
+          <a:prstGeom prst="rect">
+            <a:avLst/>
+          </a:prstGeom>
+          <a:solidFill>
+            <a:schemeClr val="bg1"/>
+          </a:solidFill>
+          <a:ln>
+            <a:noFill/>
+          </a:ln>
+        </p:spPr>
+        <p:style>
+          <a:lnRef idx="2">
+            <a:schemeClr val="accent1">
+              <a:shade val="50000"/>
+            </a:schemeClr>
+          </a:lnRef>
+          <a:fillRef idx="1">
+            <a:schemeClr val="accent1"/>
+          </a:fillRef>
+          <a:effectRef idx="0">
+            <a:schemeClr val="accent1"/>
+          </a:effectRef>
+          <a:fontRef idx="minor">
+            <a:schemeClr val="lt1"/>
+          </a:fontRef>
+        </p:style>
+        <p:txBody>
+          <a:bodyPr rtlCol="0" anchor="ctr"/>
+          <a:lstStyle/>
+          <a:p>
+            <a:pPr algn="ctr"/>
+            <a:endParaRPr lang="en-US"/>
+          </a:p>
+        </p:txBody>
+      </p:sp>
+      <p:sp>
+        <p:nvSpPr>
+          <p:cNvPr id="17" name="Rectangle 16">
+            <a:extLst>
+              <a:ext uri="{FF2B5EF4-FFF2-40B4-BE49-F238E27FC236}">
+                <a16:creationId xmlns:a16="http://schemas.microsoft.com/office/drawing/2014/main" id="{5458D466-9C97-3840-AF07-79A6668C17EE}"/>
+              </a:ext>
+            </a:extLst>
+          </p:cNvPr>
+          <p:cNvSpPr/>
+          <p:nvPr/>
+        </p:nvSpPr>
+        <p:spPr>
+          <a:xfrm>
+            <a:off x="2326800" y="3596481"/>
+            <a:ext cx="158400" cy="237600"/>
+          </a:xfrm>
+          <a:prstGeom prst="rect">
+            <a:avLst/>
+          </a:prstGeom>
+          <a:solidFill>
+            <a:schemeClr val="bg1"/>
+          </a:solidFill>
+          <a:ln>
+            <a:noFill/>
+          </a:ln>
+        </p:spPr>
+        <p:style>
+          <a:lnRef idx="2">
+            <a:schemeClr val="accent1">
+              <a:shade val="50000"/>
+            </a:schemeClr>
+          </a:lnRef>
+          <a:fillRef idx="1">
+            <a:schemeClr val="accent1"/>
+          </a:fillRef>
+          <a:effectRef idx="0">
+            <a:schemeClr val="accent1"/>
+          </a:effectRef>
+          <a:fontRef idx="minor">
+            <a:schemeClr val="lt1"/>
+          </a:fontRef>
+        </p:style>
+        <p:txBody>
+          <a:bodyPr rtlCol="0" anchor="ctr"/>
+          <a:lstStyle/>
+          <a:p>
+            <a:pPr algn="ctr"/>
+            <a:endParaRPr lang="en-US"/>
+          </a:p>
+        </p:txBody>
+      </p:sp>
+      <p:sp>
+        <p:nvSpPr>
+          <p:cNvPr id="19" name="Rectangle 18">
+            <a:extLst>
+              <a:ext uri="{FF2B5EF4-FFF2-40B4-BE49-F238E27FC236}">
+                <a16:creationId xmlns:a16="http://schemas.microsoft.com/office/drawing/2014/main" id="{426530AB-BD35-E94D-9EFE-5B2BC809DE82}"/>
+              </a:ext>
+            </a:extLst>
+          </p:cNvPr>
+          <p:cNvSpPr/>
+          <p:nvPr/>
+        </p:nvSpPr>
+        <p:spPr>
+          <a:xfrm>
+            <a:off x="4006800" y="2977281"/>
+            <a:ext cx="158400" cy="237600"/>
+          </a:xfrm>
+          <a:prstGeom prst="rect">
+            <a:avLst/>
+          </a:prstGeom>
+          <a:solidFill>
+            <a:schemeClr val="bg1"/>
+          </a:solidFill>
+          <a:ln>
+            <a:noFill/>
+          </a:ln>
+        </p:spPr>
+        <p:style>
+          <a:lnRef idx="2">
+            <a:schemeClr val="accent1">
+              <a:shade val="50000"/>
+            </a:schemeClr>
+          </a:lnRef>
+          <a:fillRef idx="1">
+            <a:schemeClr val="accent1"/>
+          </a:fillRef>
+          <a:effectRef idx="0">
+            <a:schemeClr val="accent1"/>
+          </a:effectRef>
+          <a:fontRef idx="minor">
+            <a:schemeClr val="lt1"/>
+          </a:fontRef>
+        </p:style>
+        <p:txBody>
+          <a:bodyPr rtlCol="0" anchor="ctr"/>
+          <a:lstStyle/>
+          <a:p>
+            <a:pPr algn="ctr"/>
+            <a:endParaRPr lang="en-US"/>
+          </a:p>
+        </p:txBody>
+      </p:sp>
+      <p:sp>
+        <p:nvSpPr>
+          <p:cNvPr id="20" name="Rectangle 19">
+            <a:extLst>
+              <a:ext uri="{FF2B5EF4-FFF2-40B4-BE49-F238E27FC236}">
+                <a16:creationId xmlns:a16="http://schemas.microsoft.com/office/drawing/2014/main" id="{408D96AD-3C20-1D49-A19B-5999C96B407F}"/>
+              </a:ext>
+            </a:extLst>
+          </p:cNvPr>
+          <p:cNvSpPr/>
+          <p:nvPr/>
+        </p:nvSpPr>
+        <p:spPr>
+          <a:xfrm>
+            <a:off x="4006800" y="3578400"/>
+            <a:ext cx="158400" cy="237600"/>
+          </a:xfrm>
+          <a:prstGeom prst="rect">
+            <a:avLst/>
+          </a:prstGeom>
+          <a:solidFill>
+            <a:schemeClr val="bg1"/>
+          </a:solidFill>
+          <a:ln>
+            <a:noFill/>
+          </a:ln>
+        </p:spPr>
+        <p:style>
+          <a:lnRef idx="2">
+            <a:schemeClr val="accent1">
+              <a:shade val="50000"/>
+            </a:schemeClr>
+          </a:lnRef>
+          <a:fillRef idx="1">
+            <a:schemeClr val="accent1"/>
+          </a:fillRef>
+          <a:effectRef idx="0">
+            <a:schemeClr val="accent1"/>
+          </a:effectRef>
+          <a:fontRef idx="minor">
+            <a:schemeClr val="lt1"/>
+          </a:fontRef>
+        </p:style>
+        <p:txBody>
+          <a:bodyPr rtlCol="0" anchor="ctr"/>
+          <a:lstStyle/>
+          <a:p>
+            <a:pPr algn="ctr"/>
+            <a:endParaRPr lang="en-US"/>
+          </a:p>
+        </p:txBody>
+      </p:sp>
+      <p:sp>
+        <p:nvSpPr>
+          <p:cNvPr id="21" name="Rectangle 20">
+            <a:extLst>
+              <a:ext uri="{FF2B5EF4-FFF2-40B4-BE49-F238E27FC236}">
+                <a16:creationId xmlns:a16="http://schemas.microsoft.com/office/drawing/2014/main" id="{4C0CF716-8B40-4241-BE03-1BF1ACE82BA3}"/>
+              </a:ext>
+            </a:extLst>
+          </p:cNvPr>
+          <p:cNvSpPr/>
+          <p:nvPr/>
+        </p:nvSpPr>
+        <p:spPr>
+          <a:xfrm>
+            <a:off x="597600" y="714459"/>
+            <a:ext cx="158400" cy="237600"/>
+          </a:xfrm>
+          <a:prstGeom prst="rect">
+            <a:avLst/>
+          </a:prstGeom>
+          <a:solidFill>
+            <a:schemeClr val="bg1"/>
+          </a:solidFill>
+          <a:ln>
+            <a:noFill/>
+          </a:ln>
+        </p:spPr>
+        <p:style>
+          <a:lnRef idx="2">
+            <a:schemeClr val="accent1">
+              <a:shade val="50000"/>
+            </a:schemeClr>
+          </a:lnRef>
+          <a:fillRef idx="1">
+            <a:schemeClr val="accent1"/>
+          </a:fillRef>
+          <a:effectRef idx="0">
+            <a:schemeClr val="accent1"/>
+          </a:effectRef>
+          <a:fontRef idx="minor">
+            <a:schemeClr val="lt1"/>
+          </a:fontRef>
+        </p:style>
+        <p:txBody>
+          <a:bodyPr rtlCol="0" anchor="ctr"/>
+          <a:lstStyle/>
+          <a:p>
+            <a:pPr algn="ctr"/>
+            <a:endParaRPr lang="en-US"/>
+          </a:p>
+        </p:txBody>
+      </p:sp>
+      <p:sp>
+        <p:nvSpPr>
+          <p:cNvPr id="23" name="Rectangle 22">
+            <a:extLst>
+              <a:ext uri="{FF2B5EF4-FFF2-40B4-BE49-F238E27FC236}">
+                <a16:creationId xmlns:a16="http://schemas.microsoft.com/office/drawing/2014/main" id="{B1293AF9-D33C-9F41-B822-396C64BC19FF}"/>
+              </a:ext>
+            </a:extLst>
+          </p:cNvPr>
+          <p:cNvSpPr/>
+          <p:nvPr/>
+        </p:nvSpPr>
+        <p:spPr>
+          <a:xfrm>
+            <a:off x="597600" y="1315578"/>
+            <a:ext cx="158400" cy="237600"/>
+          </a:xfrm>
+          <a:prstGeom prst="rect">
+            <a:avLst/>
+          </a:prstGeom>
+          <a:solidFill>
+            <a:schemeClr val="bg1"/>
+          </a:solidFill>
+          <a:ln>
+            <a:noFill/>
+          </a:ln>
+        </p:spPr>
+        <p:style>
+          <a:lnRef idx="2">
+            <a:schemeClr val="accent1">
+              <a:shade val="50000"/>
+            </a:schemeClr>
+          </a:lnRef>
+          <a:fillRef idx="1">
+            <a:schemeClr val="accent1"/>
+          </a:fillRef>
+          <a:effectRef idx="0">
+            <a:schemeClr val="accent1"/>
+          </a:effectRef>
+          <a:fontRef idx="minor">
+            <a:schemeClr val="lt1"/>
+          </a:fontRef>
+        </p:style>
+        <p:txBody>
+          <a:bodyPr rtlCol="0" anchor="ctr"/>
+          <a:lstStyle/>
+          <a:p>
+            <a:pPr algn="ctr"/>
+            <a:endParaRPr lang="en-US"/>
+          </a:p>
+        </p:txBody>
+      </p:sp>
+      <p:sp>
+        <p:nvSpPr>
+          <p:cNvPr id="24" name="Rectangle 23">
+            <a:extLst>
+              <a:ext uri="{FF2B5EF4-FFF2-40B4-BE49-F238E27FC236}">
+                <a16:creationId xmlns:a16="http://schemas.microsoft.com/office/drawing/2014/main" id="{452F0C6B-F67C-0747-BCE4-1B98471B3D46}"/>
+              </a:ext>
+            </a:extLst>
+          </p:cNvPr>
+          <p:cNvSpPr/>
+          <p:nvPr/>
+        </p:nvSpPr>
+        <p:spPr>
+          <a:xfrm>
+            <a:off x="2319600" y="732540"/>
+            <a:ext cx="158400" cy="237600"/>
+          </a:xfrm>
+          <a:prstGeom prst="rect">
+            <a:avLst/>
+          </a:prstGeom>
+          <a:solidFill>
+            <a:schemeClr val="bg1"/>
+          </a:solidFill>
+          <a:ln>
+            <a:noFill/>
+          </a:ln>
+        </p:spPr>
+        <p:style>
+          <a:lnRef idx="2">
+            <a:schemeClr val="accent1">
+              <a:shade val="50000"/>
+            </a:schemeClr>
+          </a:lnRef>
+          <a:fillRef idx="1">
+            <a:schemeClr val="accent1"/>
+          </a:fillRef>
+          <a:effectRef idx="0">
+            <a:schemeClr val="accent1"/>
+          </a:effectRef>
+          <a:fontRef idx="minor">
+            <a:schemeClr val="lt1"/>
+          </a:fontRef>
+        </p:style>
+        <p:txBody>
+          <a:bodyPr rtlCol="0" anchor="ctr"/>
+          <a:lstStyle/>
+          <a:p>
+            <a:pPr algn="ctr"/>
+            <a:endParaRPr lang="en-US"/>
+          </a:p>
+        </p:txBody>
+      </p:sp>
+      <p:sp>
+        <p:nvSpPr>
+          <p:cNvPr id="26" name="Rectangle 25">
+            <a:extLst>
+              <a:ext uri="{FF2B5EF4-FFF2-40B4-BE49-F238E27FC236}">
+                <a16:creationId xmlns:a16="http://schemas.microsoft.com/office/drawing/2014/main" id="{CD899249-1CB6-644C-AFC7-A46581642F79}"/>
+              </a:ext>
+            </a:extLst>
+          </p:cNvPr>
+          <p:cNvSpPr/>
+          <p:nvPr/>
+        </p:nvSpPr>
+        <p:spPr>
+          <a:xfrm>
+            <a:off x="2319600" y="1333659"/>
+            <a:ext cx="158400" cy="237600"/>
+          </a:xfrm>
+          <a:prstGeom prst="rect">
+            <a:avLst/>
+          </a:prstGeom>
+          <a:solidFill>
+            <a:schemeClr val="bg1"/>
+          </a:solidFill>
+          <a:ln>
+            <a:noFill/>
+          </a:ln>
+        </p:spPr>
+        <p:style>
+          <a:lnRef idx="2">
+            <a:schemeClr val="accent1">
+              <a:shade val="50000"/>
+            </a:schemeClr>
+          </a:lnRef>
+          <a:fillRef idx="1">
+            <a:schemeClr val="accent1"/>
+          </a:fillRef>
+          <a:effectRef idx="0">
+            <a:schemeClr val="accent1"/>
+          </a:effectRef>
+          <a:fontRef idx="minor">
+            <a:schemeClr val="lt1"/>
+          </a:fontRef>
+        </p:style>
+        <p:txBody>
+          <a:bodyPr rtlCol="0" anchor="ctr"/>
+          <a:lstStyle/>
+          <a:p>
+            <a:pPr algn="ctr"/>
+            <a:endParaRPr lang="en-US"/>
+          </a:p>
+        </p:txBody>
+      </p:sp>
+      <p:sp>
+        <p:nvSpPr>
+          <p:cNvPr id="28" name="Rectangle 27">
+            <a:extLst>
+              <a:ext uri="{FF2B5EF4-FFF2-40B4-BE49-F238E27FC236}">
+                <a16:creationId xmlns:a16="http://schemas.microsoft.com/office/drawing/2014/main" id="{BE06CF06-DEDF-0D46-8C48-6301BFFE95E0}"/>
+              </a:ext>
+            </a:extLst>
+          </p:cNvPr>
+          <p:cNvSpPr/>
+          <p:nvPr/>
+        </p:nvSpPr>
+        <p:spPr>
+          <a:xfrm>
+            <a:off x="3999600" y="714459"/>
+            <a:ext cx="158400" cy="237600"/>
+          </a:xfrm>
+          <a:prstGeom prst="rect">
+            <a:avLst/>
+          </a:prstGeom>
+          <a:solidFill>
+            <a:schemeClr val="bg1"/>
+          </a:solidFill>
+          <a:ln>
+            <a:noFill/>
+          </a:ln>
+        </p:spPr>
+        <p:style>
+          <a:lnRef idx="2">
+            <a:schemeClr val="accent1">
+              <a:shade val="50000"/>
+            </a:schemeClr>
+          </a:lnRef>
+          <a:fillRef idx="1">
+            <a:schemeClr val="accent1"/>
+          </a:fillRef>
+          <a:effectRef idx="0">
+            <a:schemeClr val="accent1"/>
+          </a:effectRef>
+          <a:fontRef idx="minor">
+            <a:schemeClr val="lt1"/>
+          </a:fontRef>
+        </p:style>
+        <p:txBody>
+          <a:bodyPr rtlCol="0" anchor="ctr"/>
+          <a:lstStyle/>
+          <a:p>
+            <a:pPr algn="ctr"/>
+            <a:endParaRPr lang="en-US"/>
+          </a:p>
+        </p:txBody>
+      </p:sp>
+      <p:sp>
+        <p:nvSpPr>
+          <p:cNvPr id="30" name="Rectangle 29">
+            <a:extLst>
+              <a:ext uri="{FF2B5EF4-FFF2-40B4-BE49-F238E27FC236}">
+                <a16:creationId xmlns:a16="http://schemas.microsoft.com/office/drawing/2014/main" id="{78B63226-9D17-454E-9943-1C9C5EEC6C3E}"/>
+              </a:ext>
+            </a:extLst>
+          </p:cNvPr>
+          <p:cNvSpPr/>
+          <p:nvPr/>
+        </p:nvSpPr>
+        <p:spPr>
+          <a:xfrm>
+            <a:off x="3999600" y="1315578"/>
+            <a:ext cx="158400" cy="237600"/>
+          </a:xfrm>
+          <a:prstGeom prst="rect">
+            <a:avLst/>
+          </a:prstGeom>
+          <a:solidFill>
+            <a:schemeClr val="bg1"/>
+          </a:solidFill>
+          <a:ln>
+            <a:noFill/>
+          </a:ln>
+        </p:spPr>
+        <p:style>
+          <a:lnRef idx="2">
+            <a:schemeClr val="accent1">
+              <a:shade val="50000"/>
+            </a:schemeClr>
+          </a:lnRef>
+          <a:fillRef idx="1">
+            <a:schemeClr val="accent1"/>
+          </a:fillRef>
+          <a:effectRef idx="0">
+            <a:schemeClr val="accent1"/>
+          </a:effectRef>
+          <a:fontRef idx="minor">
+            <a:schemeClr val="lt1"/>
+          </a:fontRef>
+        </p:style>
+        <p:txBody>
+          <a:bodyPr rtlCol="0" anchor="ctr"/>
+          <a:lstStyle/>
+          <a:p>
+            <a:pPr algn="ctr"/>
+            <a:endParaRPr lang="en-US"/>
           </a:p>
         </p:txBody>
       </p:sp>

--- a/forwardModel/BKA-results/data-model-resids/Ha/haBKA-gallery.pptx
+++ b/forwardModel/BKA-results/data-model-resids/Ha/haBKA-gallery.pptx
@@ -197,7 +197,7 @@
           <a:p>
             <a:fld id="{08C121A9-109E-EB46-8716-F9E8805ED9E7}" type="datetimeFigureOut">
               <a:rPr lang="en-US" smtClean="0"/>
-              <a:t>1/11/22</a:t>
+              <a:t>5/24/22</a:t>
             </a:fld>
             <a:endParaRPr lang="en-US"/>
           </a:p>
@@ -679,7 +679,7 @@
           <a:p>
             <a:fld id="{92FBD9D3-FD56-2445-B4E5-1DB60E749807}" type="datetimeFigureOut">
               <a:rPr lang="en-US" smtClean="0"/>
-              <a:t>1/11/22</a:t>
+              <a:t>5/24/22</a:t>
             </a:fld>
             <a:endParaRPr lang="en-US"/>
           </a:p>
@@ -849,7 +849,7 @@
           <a:p>
             <a:fld id="{92FBD9D3-FD56-2445-B4E5-1DB60E749807}" type="datetimeFigureOut">
               <a:rPr lang="en-US" smtClean="0"/>
-              <a:t>1/11/22</a:t>
+              <a:t>5/24/22</a:t>
             </a:fld>
             <a:endParaRPr lang="en-US"/>
           </a:p>
@@ -1029,7 +1029,7 @@
           <a:p>
             <a:fld id="{92FBD9D3-FD56-2445-B4E5-1DB60E749807}" type="datetimeFigureOut">
               <a:rPr lang="en-US" smtClean="0"/>
-              <a:t>1/11/22</a:t>
+              <a:t>5/24/22</a:t>
             </a:fld>
             <a:endParaRPr lang="en-US"/>
           </a:p>
@@ -1199,7 +1199,7 @@
           <a:p>
             <a:fld id="{92FBD9D3-FD56-2445-B4E5-1DB60E749807}" type="datetimeFigureOut">
               <a:rPr lang="en-US" smtClean="0"/>
-              <a:t>1/11/22</a:t>
+              <a:t>5/24/22</a:t>
             </a:fld>
             <a:endParaRPr lang="en-US"/>
           </a:p>
@@ -1443,7 +1443,7 @@
           <a:p>
             <a:fld id="{92FBD9D3-FD56-2445-B4E5-1DB60E749807}" type="datetimeFigureOut">
               <a:rPr lang="en-US" smtClean="0"/>
-              <a:t>1/11/22</a:t>
+              <a:t>5/24/22</a:t>
             </a:fld>
             <a:endParaRPr lang="en-US"/>
           </a:p>
@@ -1675,7 +1675,7 @@
           <a:p>
             <a:fld id="{92FBD9D3-FD56-2445-B4E5-1DB60E749807}" type="datetimeFigureOut">
               <a:rPr lang="en-US" smtClean="0"/>
-              <a:t>1/11/22</a:t>
+              <a:t>5/24/22</a:t>
             </a:fld>
             <a:endParaRPr lang="en-US"/>
           </a:p>
@@ -2042,7 +2042,7 @@
           <a:p>
             <a:fld id="{92FBD9D3-FD56-2445-B4E5-1DB60E749807}" type="datetimeFigureOut">
               <a:rPr lang="en-US" smtClean="0"/>
-              <a:t>1/11/22</a:t>
+              <a:t>5/24/22</a:t>
             </a:fld>
             <a:endParaRPr lang="en-US"/>
           </a:p>
@@ -2160,7 +2160,7 @@
           <a:p>
             <a:fld id="{92FBD9D3-FD56-2445-B4E5-1DB60E749807}" type="datetimeFigureOut">
               <a:rPr lang="en-US" smtClean="0"/>
-              <a:t>1/11/22</a:t>
+              <a:t>5/24/22</a:t>
             </a:fld>
             <a:endParaRPr lang="en-US"/>
           </a:p>
@@ -2255,7 +2255,7 @@
           <a:p>
             <a:fld id="{92FBD9D3-FD56-2445-B4E5-1DB60E749807}" type="datetimeFigureOut">
               <a:rPr lang="en-US" smtClean="0"/>
-              <a:t>1/11/22</a:t>
+              <a:t>5/24/22</a:t>
             </a:fld>
             <a:endParaRPr lang="en-US"/>
           </a:p>
@@ -2532,7 +2532,7 @@
           <a:p>
             <a:fld id="{92FBD9D3-FD56-2445-B4E5-1DB60E749807}" type="datetimeFigureOut">
               <a:rPr lang="en-US" smtClean="0"/>
-              <a:t>1/11/22</a:t>
+              <a:t>5/24/22</a:t>
             </a:fld>
             <a:endParaRPr lang="en-US"/>
           </a:p>
@@ -2789,7 +2789,7 @@
           <a:p>
             <a:fld id="{92FBD9D3-FD56-2445-B4E5-1DB60E749807}" type="datetimeFigureOut">
               <a:rPr lang="en-US" smtClean="0"/>
-              <a:t>1/11/22</a:t>
+              <a:t>5/24/22</a:t>
             </a:fld>
             <a:endParaRPr lang="en-US"/>
           </a:p>
@@ -3002,7 +3002,7 @@
           <a:p>
             <a:fld id="{92FBD9D3-FD56-2445-B4E5-1DB60E749807}" type="datetimeFigureOut">
               <a:rPr lang="en-US" smtClean="0"/>
-              <a:t>1/11/22</a:t>
+              <a:t>5/24/22</a:t>
             </a:fld>
             <a:endParaRPr lang="en-US"/>
           </a:p>
@@ -4514,6 +4514,240 @@
           <a:p>
             <a:pPr algn="ctr"/>
             <a:endParaRPr lang="en-US"/>
+          </a:p>
+        </p:txBody>
+      </p:sp>
+      <p:sp>
+        <p:nvSpPr>
+          <p:cNvPr id="3" name="TextBox 2">
+            <a:extLst>
+              <a:ext uri="{FF2B5EF4-FFF2-40B4-BE49-F238E27FC236}">
+                <a16:creationId xmlns:a16="http://schemas.microsoft.com/office/drawing/2014/main" id="{D6527BFA-6BC9-E991-9A98-28E7058EC8BD}"/>
+              </a:ext>
+            </a:extLst>
+          </p:cNvPr>
+          <p:cNvSpPr txBox="1"/>
+          <p:nvPr/>
+        </p:nvSpPr>
+        <p:spPr>
+          <a:xfrm rot="16200000">
+            <a:off x="-605775" y="952955"/>
+            <a:ext cx="1439818" cy="369332"/>
+          </a:xfrm>
+          <a:prstGeom prst="rect">
+            <a:avLst/>
+          </a:prstGeom>
+          <a:noFill/>
+        </p:spPr>
+        <p:txBody>
+          <a:bodyPr wrap="none" rtlCol="0">
+            <a:spAutoFit/>
+          </a:bodyPr>
+          <a:lstStyle/>
+          <a:p>
+            <a:r>
+              <a:rPr lang="en-US" dirty="0">
+                <a:latin typeface="DEJAVU SANS MONO" panose="020B0609030804020204" pitchFamily="49" charset="0"/>
+                <a:ea typeface="DEJAVU SANS MONO" panose="020B0609030804020204" pitchFamily="49" charset="0"/>
+                <a:cs typeface="DEJAVU SANS MONO" panose="020B0609030804020204" pitchFamily="49" charset="0"/>
+              </a:rPr>
+              <a:t>11 Apr 13</a:t>
+            </a:r>
+          </a:p>
+        </p:txBody>
+      </p:sp>
+      <p:sp>
+        <p:nvSpPr>
+          <p:cNvPr id="32" name="TextBox 31">
+            <a:extLst>
+              <a:ext uri="{FF2B5EF4-FFF2-40B4-BE49-F238E27FC236}">
+                <a16:creationId xmlns:a16="http://schemas.microsoft.com/office/drawing/2014/main" id="{E31CA153-C786-DA37-B647-AE6C61E666A9}"/>
+              </a:ext>
+            </a:extLst>
+          </p:cNvPr>
+          <p:cNvSpPr txBox="1"/>
+          <p:nvPr/>
+        </p:nvSpPr>
+        <p:spPr>
+          <a:xfrm rot="16200000">
+            <a:off x="-518520" y="3238955"/>
+            <a:ext cx="1300356" cy="369332"/>
+          </a:xfrm>
+          <a:prstGeom prst="rect">
+            <a:avLst/>
+          </a:prstGeom>
+          <a:noFill/>
+        </p:spPr>
+        <p:txBody>
+          <a:bodyPr wrap="none" rtlCol="0">
+            <a:spAutoFit/>
+          </a:bodyPr>
+          <a:lstStyle/>
+          <a:p>
+            <a:r>
+              <a:rPr lang="en-US" dirty="0">
+                <a:latin typeface="DEJAVU SANS MONO" panose="020B0609030804020204" pitchFamily="49" charset="0"/>
+                <a:ea typeface="DEJAVU SANS MONO" panose="020B0609030804020204" pitchFamily="49" charset="0"/>
+                <a:cs typeface="DEJAVU SANS MONO" panose="020B0609030804020204" pitchFamily="49" charset="0"/>
+              </a:rPr>
+              <a:t>8 Apr 14</a:t>
+            </a:r>
+          </a:p>
+        </p:txBody>
+      </p:sp>
+      <p:sp>
+        <p:nvSpPr>
+          <p:cNvPr id="33" name="TextBox 32">
+            <a:extLst>
+              <a:ext uri="{FF2B5EF4-FFF2-40B4-BE49-F238E27FC236}">
+                <a16:creationId xmlns:a16="http://schemas.microsoft.com/office/drawing/2014/main" id="{2E805C59-1C5C-C7CF-3B43-8B2A09ACDEE4}"/>
+              </a:ext>
+            </a:extLst>
+          </p:cNvPr>
+          <p:cNvSpPr txBox="1"/>
+          <p:nvPr/>
+        </p:nvSpPr>
+        <p:spPr>
+          <a:xfrm rot="16200000">
+            <a:off x="-588251" y="5524955"/>
+            <a:ext cx="1439818" cy="369332"/>
+          </a:xfrm>
+          <a:prstGeom prst="rect">
+            <a:avLst/>
+          </a:prstGeom>
+          <a:noFill/>
+        </p:spPr>
+        <p:txBody>
+          <a:bodyPr wrap="none" rtlCol="0">
+            <a:spAutoFit/>
+          </a:bodyPr>
+          <a:lstStyle/>
+          <a:p>
+            <a:r>
+              <a:rPr lang="en-US" dirty="0">
+                <a:latin typeface="DEJAVU SANS MONO" panose="020B0609030804020204" pitchFamily="49" charset="0"/>
+                <a:ea typeface="DEJAVU SANS MONO" panose="020B0609030804020204" pitchFamily="49" charset="0"/>
+                <a:cs typeface="DEJAVU SANS MONO" panose="020B0609030804020204" pitchFamily="49" charset="0"/>
+              </a:rPr>
+              <a:t>15 May 15</a:t>
+            </a:r>
+          </a:p>
+        </p:txBody>
+      </p:sp>
+      <p:sp>
+        <p:nvSpPr>
+          <p:cNvPr id="34" name="TextBox 33">
+            <a:extLst>
+              <a:ext uri="{FF2B5EF4-FFF2-40B4-BE49-F238E27FC236}">
+                <a16:creationId xmlns:a16="http://schemas.microsoft.com/office/drawing/2014/main" id="{2BA62DDF-5F7A-1B73-BED4-55A10D9E9351}"/>
+              </a:ext>
+            </a:extLst>
+          </p:cNvPr>
+          <p:cNvSpPr txBox="1"/>
+          <p:nvPr/>
+        </p:nvSpPr>
+        <p:spPr>
+          <a:xfrm rot="16200000">
+            <a:off x="-588251" y="7810955"/>
+            <a:ext cx="1439818" cy="369332"/>
+          </a:xfrm>
+          <a:prstGeom prst="rect">
+            <a:avLst/>
+          </a:prstGeom>
+          <a:noFill/>
+        </p:spPr>
+        <p:txBody>
+          <a:bodyPr wrap="none" rtlCol="0">
+            <a:spAutoFit/>
+          </a:bodyPr>
+          <a:lstStyle/>
+          <a:p>
+            <a:r>
+              <a:rPr lang="en-US" dirty="0">
+                <a:latin typeface="DEJAVU SANS MONO" panose="020B0609030804020204" pitchFamily="49" charset="0"/>
+                <a:ea typeface="DEJAVU SANS MONO" panose="020B0609030804020204" pitchFamily="49" charset="0"/>
+                <a:cs typeface="DEJAVU SANS MONO" panose="020B0609030804020204" pitchFamily="49" charset="0"/>
+              </a:rPr>
+              <a:t>16 May 15</a:t>
+            </a:r>
+          </a:p>
+        </p:txBody>
+      </p:sp>
+      <p:sp>
+        <p:nvSpPr>
+          <p:cNvPr id="35" name="TextBox 34">
+            <a:extLst>
+              <a:ext uri="{FF2B5EF4-FFF2-40B4-BE49-F238E27FC236}">
+                <a16:creationId xmlns:a16="http://schemas.microsoft.com/office/drawing/2014/main" id="{B8747B5F-B21F-79D5-9771-EFF69FED75F5}"/>
+              </a:ext>
+            </a:extLst>
+          </p:cNvPr>
+          <p:cNvSpPr txBox="1"/>
+          <p:nvPr/>
+        </p:nvSpPr>
+        <p:spPr>
+          <a:xfrm rot="16200000">
+            <a:off x="-535242" y="10118473"/>
+            <a:ext cx="1439818" cy="369332"/>
+          </a:xfrm>
+          <a:prstGeom prst="rect">
+            <a:avLst/>
+          </a:prstGeom>
+          <a:noFill/>
+        </p:spPr>
+        <p:txBody>
+          <a:bodyPr wrap="none" rtlCol="0">
+            <a:spAutoFit/>
+          </a:bodyPr>
+          <a:lstStyle/>
+          <a:p>
+            <a:r>
+              <a:rPr lang="en-US" dirty="0">
+                <a:latin typeface="DEJAVU SANS MONO" panose="020B0609030804020204" pitchFamily="49" charset="0"/>
+                <a:ea typeface="DEJAVU SANS MONO" panose="020B0609030804020204" pitchFamily="49" charset="0"/>
+                <a:cs typeface="DEJAVU SANS MONO" panose="020B0609030804020204" pitchFamily="49" charset="0"/>
+              </a:rPr>
+              <a:t>18 May 15</a:t>
+            </a:r>
+          </a:p>
+        </p:txBody>
+      </p:sp>
+      <p:sp>
+        <p:nvSpPr>
+          <p:cNvPr id="36" name="TextBox 35">
+            <a:extLst>
+              <a:ext uri="{FF2B5EF4-FFF2-40B4-BE49-F238E27FC236}">
+                <a16:creationId xmlns:a16="http://schemas.microsoft.com/office/drawing/2014/main" id="{C25DF44A-A155-1957-9F7B-0D3A113D48BF}"/>
+              </a:ext>
+            </a:extLst>
+          </p:cNvPr>
+          <p:cNvSpPr txBox="1"/>
+          <p:nvPr/>
+        </p:nvSpPr>
+        <p:spPr>
+          <a:xfrm rot="16200000">
+            <a:off x="-535242" y="12404473"/>
+            <a:ext cx="1439818" cy="369332"/>
+          </a:xfrm>
+          <a:prstGeom prst="rect">
+            <a:avLst/>
+          </a:prstGeom>
+          <a:noFill/>
+        </p:spPr>
+        <p:txBody>
+          <a:bodyPr wrap="none" rtlCol="0">
+            <a:spAutoFit/>
+          </a:bodyPr>
+          <a:lstStyle/>
+          <a:p>
+            <a:r>
+              <a:rPr lang="en-US" dirty="0">
+                <a:latin typeface="DEJAVU SANS MONO" panose="020B0609030804020204" pitchFamily="49" charset="0"/>
+                <a:ea typeface="DEJAVU SANS MONO" panose="020B0609030804020204" pitchFamily="49" charset="0"/>
+                <a:cs typeface="DEJAVU SANS MONO" panose="020B0609030804020204" pitchFamily="49" charset="0"/>
+              </a:rPr>
+              <a:t>27 Apr 18</a:t>
+            </a:r>
           </a:p>
         </p:txBody>
       </p:sp>
